--- a/DOC/Engenharia Software II/apresentação intermedia.pptx
+++ b/DOC/Engenharia Software II/apresentação intermedia.pptx
@@ -107,6 +107,11 @@
       </a:defRPr>
     </a:lvl9pPr>
   </p:defaultTextStyle>
+  <p:extLst>
+    <p:ext uri="{EFAFB233-063F-42B5-8137-9DF3F51BA10A}">
+      <p15:sldGuideLst xmlns:p15="http://schemas.microsoft.com/office/powerpoint/2012/main"/>
+    </p:ext>
+  </p:extLst>
 </p:presentation>
 </file>
 
@@ -6003,60 +6008,6 @@
           <a:chExt cx="0" cy="0"/>
         </a:xfrm>
       </p:grpSpPr>
-      <p:pic>
-        <p:nvPicPr>
-          <p:cNvPr id="4" name="Imagem 3" descr="Uma imagem com captura de ecrã&#10;&#10;Descrição gerada com confiança muito alta">
-            <a:extLst>
-              <a:ext uri="{FF2B5EF4-FFF2-40B4-BE49-F238E27FC236}">
-                <a16:creationId xmlns:a16="http://schemas.microsoft.com/office/drawing/2014/main" id="{A9835C5A-3A03-4BCD-9AA4-DB0CC634BAA0}"/>
-              </a:ext>
-            </a:extLst>
-          </p:cNvPr>
-          <p:cNvPicPr>
-            <a:picLocks noChangeAspect="1"/>
-          </p:cNvPicPr>
-          <p:nvPr/>
-        </p:nvPicPr>
-        <p:blipFill rotWithShape="1">
-          <a:blip r:embed="rId3"/>
-          <a:srcRect l="5454"/>
-          <a:stretch/>
-        </p:blipFill>
-        <p:spPr>
-          <a:xfrm>
-            <a:off x="737117" y="33217"/>
-            <a:ext cx="4404049" cy="6726515"/>
-          </a:xfrm>
-          <a:prstGeom prst="roundRect">
-            <a:avLst>
-              <a:gd name="adj" fmla="val 3517"/>
-            </a:avLst>
-          </a:prstGeom>
-          <a:ln w="38100">
-            <a:gradFill flip="none" rotWithShape="1">
-              <a:gsLst>
-                <a:gs pos="0">
-                  <a:srgbClr val="363D46"/>
-                </a:gs>
-                <a:gs pos="100000">
-                  <a:srgbClr val="363D46">
-                    <a:lumMod val="75000"/>
-                  </a:srgbClr>
-                </a:gs>
-              </a:gsLst>
-              <a:lin ang="5400000" scaled="0"/>
-              <a:tileRect/>
-            </a:gradFill>
-          </a:ln>
-          <a:effectLst>
-            <a:innerShdw blurRad="57150" dist="38100" dir="14460000">
-              <a:srgbClr val="000000">
-                <a:alpha val="70000"/>
-              </a:srgbClr>
-            </a:innerShdw>
-          </a:effectLst>
-        </p:spPr>
-      </p:pic>
       <p:sp>
         <p:nvSpPr>
           <p:cNvPr id="2" name="Título 1">
@@ -6108,6 +6059,36 @@
           </a:p>
         </p:txBody>
       </p:sp>
+      <p:pic>
+        <p:nvPicPr>
+          <p:cNvPr id="3" name="Imagem 2">
+            <a:extLst>
+              <a:ext uri="{FF2B5EF4-FFF2-40B4-BE49-F238E27FC236}">
+                <a16:creationId xmlns:a16="http://schemas.microsoft.com/office/drawing/2014/main" id="{8DFD03C7-12A8-47C3-BD60-F945ED658A4E}"/>
+              </a:ext>
+            </a:extLst>
+          </p:cNvPr>
+          <p:cNvPicPr>
+            <a:picLocks noChangeAspect="1"/>
+          </p:cNvPicPr>
+          <p:nvPr/>
+        </p:nvPicPr>
+        <p:blipFill>
+          <a:blip r:embed="rId3"/>
+          <a:stretch>
+            <a:fillRect/>
+          </a:stretch>
+        </p:blipFill>
+        <p:spPr>
+          <a:xfrm>
+            <a:off x="811638" y="292550"/>
+            <a:ext cx="4148289" cy="6085403"/>
+          </a:xfrm>
+          <a:prstGeom prst="rect">
+            <a:avLst/>
+          </a:prstGeom>
+        </p:spPr>
+      </p:pic>
     </p:spTree>
     <p:extLst>
       <p:ext uri="{BB962C8B-B14F-4D97-AF65-F5344CB8AC3E}">
@@ -6289,38 +6270,6 @@
           </a:p>
         </p:txBody>
       </p:sp>
-      <p:pic>
-        <p:nvPicPr>
-          <p:cNvPr id="7" name="Imagem 3">
-            <a:extLst>
-              <a:ext uri="{FF2B5EF4-FFF2-40B4-BE49-F238E27FC236}">
-                <a16:creationId xmlns:a16="http://schemas.microsoft.com/office/drawing/2014/main" id="{05CC7845-D535-444B-A86F-BA96FEFDBA8C}"/>
-              </a:ext>
-            </a:extLst>
-          </p:cNvPr>
-          <p:cNvPicPr>
-            <a:picLocks noGrp="1" noChangeAspect="1"/>
-          </p:cNvPicPr>
-          <p:nvPr>
-            <p:ph idx="1"/>
-          </p:nvPr>
-        </p:nvPicPr>
-        <p:blipFill>
-          <a:blip r:embed="rId2"/>
-          <a:stretch>
-            <a:fillRect/>
-          </a:stretch>
-        </p:blipFill>
-        <p:spPr>
-          <a:xfrm>
-            <a:off x="105785" y="97875"/>
-            <a:ext cx="9383448" cy="6662249"/>
-          </a:xfrm>
-          <a:prstGeom prst="rect">
-            <a:avLst/>
-          </a:prstGeom>
-        </p:spPr>
-      </p:pic>
       <p:sp>
         <p:nvSpPr>
           <p:cNvPr id="2" name="Título 1">
@@ -6482,6 +6431,36 @@
           </a:p>
         </p:txBody>
       </p:sp>
+      <p:pic>
+        <p:nvPicPr>
+          <p:cNvPr id="5" name="Imagem 4">
+            <a:extLst>
+              <a:ext uri="{FF2B5EF4-FFF2-40B4-BE49-F238E27FC236}">
+                <a16:creationId xmlns:a16="http://schemas.microsoft.com/office/drawing/2014/main" id="{E2393731-3C3A-425D-89BD-7BF9732A5DEB}"/>
+              </a:ext>
+            </a:extLst>
+          </p:cNvPr>
+          <p:cNvPicPr>
+            <a:picLocks noChangeAspect="1"/>
+          </p:cNvPicPr>
+          <p:nvPr/>
+        </p:nvPicPr>
+        <p:blipFill>
+          <a:blip r:embed="rId2"/>
+          <a:stretch>
+            <a:fillRect/>
+          </a:stretch>
+        </p:blipFill>
+        <p:spPr>
+          <a:xfrm>
+            <a:off x="269310" y="212437"/>
+            <a:ext cx="8829053" cy="6570785"/>
+          </a:xfrm>
+          <a:prstGeom prst="rect">
+            <a:avLst/>
+          </a:prstGeom>
+        </p:spPr>
+      </p:pic>
     </p:spTree>
     <p:extLst>
       <p:ext uri="{BB962C8B-B14F-4D97-AF65-F5344CB8AC3E}">
